--- a/hadoop/administration/hortonworks/ppts/05SetupHadoopCoreComponents.pptx
+++ b/hadoop/administration/hortonworks/ppts/05SetupHadoopCoreComponents.pptx
@@ -182,7 +182,7 @@
   </p:defaultTextStyle>
   <p:extLst>
     <p:ext uri="{EFAFB233-063F-42B5-8137-9DF3F51BA10A}">
-      <p15:sldGuideLst xmlns:p15="http://schemas.microsoft.com/office/powerpoint/2012/main" xmlns="">
+      <p15:sldGuideLst xmlns:p15="http://schemas.microsoft.com/office/powerpoint/2012/main">
         <p15:guide id="1" orient="horz" pos="2160">
           <p15:clr>
             <a:srgbClr val="A4A3A4"/>
@@ -282,7 +282,7 @@
             <a:fld id="{36BC898F-A298-4C24-8512-F8C89D7B89DB}" type="datetimeFigureOut">
               <a:rPr lang="en-US" smtClean="0"/>
               <a:pPr/>
-              <a:t>8/30/15</a:t>
+              <a:t>6/29/16</a:t>
             </a:fld>
             <a:endParaRPr lang="en-US"/>
           </a:p>
@@ -733,7 +733,7 @@
             <a:fld id="{5CDE208D-7564-4296-8E04-23AC3E064C0F}" type="datetime1">
               <a:rPr lang="en-US" smtClean="0"/>
               <a:pPr/>
-              <a:t>8/30/15</a:t>
+              <a:t>6/29/16</a:t>
             </a:fld>
             <a:endParaRPr lang="en-US"/>
           </a:p>
@@ -905,7 +905,7 @@
             <a:fld id="{60D25CE4-ADAF-4059-ABA2-141220E630ED}" type="datetime1">
               <a:rPr lang="en-US" smtClean="0"/>
               <a:pPr/>
-              <a:t>8/30/15</a:t>
+              <a:t>6/29/16</a:t>
             </a:fld>
             <a:endParaRPr lang="en-US"/>
           </a:p>
@@ -1087,7 +1087,7 @@
             <a:fld id="{52C6806D-A723-4AF6-81A5-B834FAD74726}" type="datetime1">
               <a:rPr lang="en-US" smtClean="0"/>
               <a:pPr/>
-              <a:t>8/30/15</a:t>
+              <a:t>6/29/16</a:t>
             </a:fld>
             <a:endParaRPr lang="en-US"/>
           </a:p>
@@ -1259,7 +1259,7 @@
             <a:fld id="{D44EF097-511E-4A39-B887-743E45CBA906}" type="datetime1">
               <a:rPr lang="en-US" smtClean="0"/>
               <a:pPr/>
-              <a:t>8/30/15</a:t>
+              <a:t>6/29/16</a:t>
             </a:fld>
             <a:endParaRPr lang="en-US"/>
           </a:p>
@@ -1507,7 +1507,7 @@
             <a:fld id="{70E85FCB-8524-42D5-A40A-2F99E5C3E7D8}" type="datetime1">
               <a:rPr lang="en-US" smtClean="0"/>
               <a:pPr/>
-              <a:t>8/30/15</a:t>
+              <a:t>6/29/16</a:t>
             </a:fld>
             <a:endParaRPr lang="en-US"/>
           </a:p>
@@ -1797,7 +1797,7 @@
             <a:fld id="{633E977D-637B-4096-B936-E1A637334F64}" type="datetime1">
               <a:rPr lang="en-US" smtClean="0"/>
               <a:pPr/>
-              <a:t>8/30/15</a:t>
+              <a:t>6/29/16</a:t>
             </a:fld>
             <a:endParaRPr lang="en-US"/>
           </a:p>
@@ -2221,7 +2221,7 @@
             <a:fld id="{F3F823A3-1EC4-48DF-BAAF-ED1C7A85F0D2}" type="datetime1">
               <a:rPr lang="en-US" smtClean="0"/>
               <a:pPr/>
-              <a:t>8/30/15</a:t>
+              <a:t>6/29/16</a:t>
             </a:fld>
             <a:endParaRPr lang="en-US"/>
           </a:p>
@@ -2341,7 +2341,7 @@
             <a:fld id="{E128BFC6-AF5F-4DC0-B088-1D980938E003}" type="datetime1">
               <a:rPr lang="en-US" smtClean="0"/>
               <a:pPr/>
-              <a:t>8/30/15</a:t>
+              <a:t>6/29/16</a:t>
             </a:fld>
             <a:endParaRPr lang="en-US"/>
           </a:p>
@@ -2438,7 +2438,7 @@
             <a:fld id="{F4A2A5EB-80FD-44E1-A565-D0A36D298C59}" type="datetime1">
               <a:rPr lang="en-US" smtClean="0"/>
               <a:pPr/>
-              <a:t>8/30/15</a:t>
+              <a:t>6/29/16</a:t>
             </a:fld>
             <a:endParaRPr lang="en-US"/>
           </a:p>
@@ -2717,7 +2717,7 @@
             <a:fld id="{9AFDFBF1-D1F0-4443-941A-FB66DAB2747D}" type="datetime1">
               <a:rPr lang="en-US" smtClean="0"/>
               <a:pPr/>
-              <a:t>8/30/15</a:t>
+              <a:t>6/29/16</a:t>
             </a:fld>
             <a:endParaRPr lang="en-US"/>
           </a:p>
@@ -2972,7 +2972,7 @@
             <a:fld id="{698E6C0E-841F-4B36-A84F-5C356414D90B}" type="datetime1">
               <a:rPr lang="en-US" smtClean="0"/>
               <a:pPr/>
-              <a:t>8/30/15</a:t>
+              <a:t>6/29/16</a:t>
             </a:fld>
             <a:endParaRPr lang="en-US"/>
           </a:p>
@@ -3187,7 +3187,7 @@
             <a:fld id="{98953B7D-DCD9-4820-A960-E75F751A466A}" type="datetime1">
               <a:rPr lang="en-US" smtClean="0"/>
               <a:pPr/>
-              <a:t>8/30/15</a:t>
+              <a:t>6/29/16</a:t>
             </a:fld>
             <a:endParaRPr lang="en-US"/>
           </a:p>
@@ -3639,7 +3639,7 @@
   <p:timing>
     <p:tnLst>
       <p:par>
-        <p:cTn xmlns:p14="http://schemas.microsoft.com/office/powerpoint/2010/main" id="1" dur="indefinite" restart="never" nodeType="tmRoot"/>
+        <p:cTn id="1" dur="indefinite" restart="never" nodeType="tmRoot"/>
       </p:par>
     </p:tnLst>
   </p:timing>
@@ -4603,11 +4603,11 @@
   <p:clrMapOvr>
     <a:masterClrMapping/>
   </p:clrMapOvr>
-  <p:transition xmlns:p14="http://schemas.microsoft.com/office/powerpoint/2010/main" spd="slow"/>
+  <p:transition spd="slow"/>
   <p:timing>
     <p:tnLst>
       <p:par>
-        <p:cTn xmlns:p14="http://schemas.microsoft.com/office/powerpoint/2010/main" id="1" dur="indefinite" restart="never" nodeType="tmRoot"/>
+        <p:cTn id="1" dur="indefinite" restart="never" nodeType="tmRoot"/>
       </p:par>
     </p:tnLst>
   </p:timing>
@@ -4812,7 +4812,7 @@
   <p:timing>
     <p:tnLst>
       <p:par>
-        <p:cTn xmlns:p14="http://schemas.microsoft.com/office/powerpoint/2010/main" id="1" dur="indefinite" restart="never" nodeType="tmRoot"/>
+        <p:cTn id="1" dur="indefinite" restart="never" nodeType="tmRoot"/>
       </p:par>
     </p:tnLst>
   </p:timing>
@@ -4959,7 +4959,7 @@
   <p:timing>
     <p:tnLst>
       <p:par>
-        <p:cTn xmlns:p14="http://schemas.microsoft.com/office/powerpoint/2010/main" id="1" dur="indefinite" restart="never" nodeType="tmRoot"/>
+        <p:cTn id="1" dur="indefinite" restart="never" nodeType="tmRoot"/>
       </p:par>
     </p:tnLst>
   </p:timing>
@@ -5116,7 +5116,7 @@
   <p:timing>
     <p:tnLst>
       <p:par>
-        <p:cTn xmlns:p14="http://schemas.microsoft.com/office/powerpoint/2010/main" id="1" dur="indefinite" restart="never" nodeType="tmRoot"/>
+        <p:cTn id="1" dur="indefinite" restart="never" nodeType="tmRoot"/>
       </p:par>
     </p:tnLst>
   </p:timing>
@@ -5254,7 +5254,7 @@
   <p:timing>
     <p:tnLst>
       <p:par>
-        <p:cTn xmlns:p14="http://schemas.microsoft.com/office/powerpoint/2010/main" id="1" dur="indefinite" restart="never" nodeType="tmRoot"/>
+        <p:cTn id="1" dur="indefinite" restart="never" nodeType="tmRoot"/>
       </p:par>
     </p:tnLst>
   </p:timing>
@@ -5417,7 +5417,7 @@
   <p:timing>
     <p:tnLst>
       <p:par>
-        <p:cTn xmlns:p14="http://schemas.microsoft.com/office/powerpoint/2010/main" id="1" dur="indefinite" restart="never" nodeType="tmRoot"/>
+        <p:cTn id="1" dur="indefinite" restart="never" nodeType="tmRoot"/>
       </p:par>
     </p:tnLst>
   </p:timing>
@@ -5614,7 +5614,7 @@
   <p:timing>
     <p:tnLst>
       <p:par>
-        <p:cTn xmlns:p14="http://schemas.microsoft.com/office/powerpoint/2010/main" id="1" dur="indefinite" restart="never" nodeType="tmRoot"/>
+        <p:cTn id="1" dur="indefinite" restart="never" nodeType="tmRoot"/>
       </p:par>
     </p:tnLst>
   </p:timing>
@@ -5733,14 +5733,14 @@
           </a:ln>
           <a:extLst>
             <a:ext uri="{909E8E84-426E-40dd-AFC4-6F175D3DCCD1}">
-              <a14:hiddenFill xmlns:a14="http://schemas.microsoft.com/office/drawing/2010/main">
+              <a14:hiddenFill xmlns:a14="http://schemas.microsoft.com/office/drawing/2010/main" xmlns="">
                 <a:solidFill>
                   <a:srgbClr val="FFFFFF"/>
                 </a:solidFill>
               </a14:hiddenFill>
             </a:ext>
             <a:ext uri="{91240B29-F687-4f45-9708-019B960494DF}">
-              <a14:hiddenLine xmlns:a14="http://schemas.microsoft.com/office/drawing/2010/main" w="9525">
+              <a14:hiddenLine xmlns:a14="http://schemas.microsoft.com/office/drawing/2010/main" xmlns="" w="9525">
                 <a:solidFill>
                   <a:srgbClr val="000000"/>
                 </a:solidFill>
@@ -5765,7 +5765,7 @@
   <p:timing>
     <p:tnLst>
       <p:par>
-        <p:cTn xmlns:p14="http://schemas.microsoft.com/office/powerpoint/2010/main" id="1" dur="indefinite" restart="never" nodeType="tmRoot"/>
+        <p:cTn id="1" dur="indefinite" restart="never" nodeType="tmRoot"/>
       </p:par>
     </p:tnLst>
   </p:timing>
@@ -5900,7 +5900,7 @@
   <p:timing>
     <p:tnLst>
       <p:par>
-        <p:cTn xmlns:p14="http://schemas.microsoft.com/office/powerpoint/2010/main" id="1" dur="indefinite" restart="never" nodeType="tmRoot"/>
+        <p:cTn id="1" dur="indefinite" restart="never" nodeType="tmRoot"/>
       </p:par>
     </p:tnLst>
   </p:timing>
@@ -6135,7 +6135,7 @@
   <p:timing>
     <p:tnLst>
       <p:par>
-        <p:cTn xmlns:p14="http://schemas.microsoft.com/office/powerpoint/2010/main" id="1" dur="indefinite" restart="never" nodeType="tmRoot"/>
+        <p:cTn id="1" dur="indefinite" restart="never" nodeType="tmRoot"/>
       </p:par>
     </p:tnLst>
   </p:timing>
@@ -6338,7 +6338,7 @@
   <p:timing>
     <p:tnLst>
       <p:par>
-        <p:cTn xmlns:p14="http://schemas.microsoft.com/office/powerpoint/2010/main" id="1" dur="indefinite" restart="never" nodeType="tmRoot"/>
+        <p:cTn id="1" dur="indefinite" restart="never" nodeType="tmRoot"/>
       </p:par>
     </p:tnLst>
   </p:timing>
@@ -6522,7 +6522,7 @@
   <p:timing>
     <p:tnLst>
       <p:par>
-        <p:cTn xmlns:p14="http://schemas.microsoft.com/office/powerpoint/2010/main" id="1" dur="indefinite" restart="never" nodeType="tmRoot"/>
+        <p:cTn id="1" dur="indefinite" restart="never" nodeType="tmRoot"/>
       </p:par>
     </p:tnLst>
   </p:timing>
@@ -7605,7 +7605,7 @@
   <p:timing>
     <p:tnLst>
       <p:par>
-        <p:cTn xmlns:p14="http://schemas.microsoft.com/office/powerpoint/2010/main" id="1" dur="indefinite" restart="never" nodeType="tmRoot"/>
+        <p:cTn id="1" dur="indefinite" restart="never" nodeType="tmRoot"/>
       </p:par>
     </p:tnLst>
   </p:timing>
@@ -7754,7 +7754,7 @@
   <p:timing>
     <p:tnLst>
       <p:par>
-        <p:cTn xmlns:p14="http://schemas.microsoft.com/office/powerpoint/2010/main" id="1" dur="indefinite" restart="never" nodeType="tmRoot"/>
+        <p:cTn id="1" dur="indefinite" restart="never" nodeType="tmRoot"/>
       </p:par>
     </p:tnLst>
   </p:timing>
@@ -7985,7 +7985,7 @@
   <p:timing>
     <p:tnLst>
       <p:par>
-        <p:cTn xmlns:p14="http://schemas.microsoft.com/office/powerpoint/2010/main" id="1" dur="indefinite" restart="never" nodeType="tmRoot"/>
+        <p:cTn id="1" dur="indefinite" restart="never" nodeType="tmRoot"/>
       </p:par>
     </p:tnLst>
   </p:timing>
@@ -8099,7 +8099,7 @@
   <p:timing>
     <p:tnLst>
       <p:par>
-        <p:cTn xmlns:p14="http://schemas.microsoft.com/office/powerpoint/2010/main" id="1" dur="indefinite" restart="never" nodeType="tmRoot"/>
+        <p:cTn id="1" dur="indefinite" restart="never" nodeType="tmRoot"/>
       </p:par>
     </p:tnLst>
   </p:timing>
@@ -8290,7 +8290,7 @@
   <p:timing>
     <p:tnLst>
       <p:par>
-        <p:cTn xmlns:p14="http://schemas.microsoft.com/office/powerpoint/2010/main" id="1" dur="indefinite" restart="never" nodeType="tmRoot"/>
+        <p:cTn id="1" dur="indefinite" restart="never" nodeType="tmRoot"/>
       </p:par>
     </p:tnLst>
   </p:timing>
@@ -8401,7 +8401,7 @@
           <a:noFill/>
           <a:extLst>
             <a:ext uri="{909E8E84-426E-40dd-AFC4-6F175D3DCCD1}">
-              <a14:hiddenFill xmlns:a14="http://schemas.microsoft.com/office/drawing/2010/main">
+              <a14:hiddenFill xmlns:a14="http://schemas.microsoft.com/office/drawing/2010/main" xmlns="">
                 <a:solidFill>
                   <a:srgbClr val="FFFFFF"/>
                 </a:solidFill>
@@ -8423,7 +8423,7 @@
   <p:timing>
     <p:tnLst>
       <p:par>
-        <p:cTn xmlns:p14="http://schemas.microsoft.com/office/powerpoint/2010/main" id="1" dur="indefinite" restart="never" nodeType="tmRoot"/>
+        <p:cTn id="1" dur="indefinite" restart="never" nodeType="tmRoot"/>
       </p:par>
     </p:tnLst>
   </p:timing>
@@ -8557,7 +8557,7 @@
   <p:timing>
     <p:tnLst>
       <p:par>
-        <p:cTn xmlns:p14="http://schemas.microsoft.com/office/powerpoint/2010/main" id="1" dur="indefinite" restart="never" nodeType="tmRoot"/>
+        <p:cTn id="1" dur="indefinite" restart="never" nodeType="tmRoot"/>
       </p:par>
     </p:tnLst>
   </p:timing>
@@ -8732,7 +8732,7 @@
   <p:timing>
     <p:tnLst>
       <p:par>
-        <p:cTn xmlns:p14="http://schemas.microsoft.com/office/powerpoint/2010/main" id="1" dur="indefinite" restart="never" nodeType="tmRoot"/>
+        <p:cTn id="1" dur="indefinite" restart="never" nodeType="tmRoot"/>
       </p:par>
     </p:tnLst>
   </p:timing>
@@ -8904,7 +8904,7 @@
   <p:timing>
     <p:tnLst>
       <p:par>
-        <p:cTn xmlns:p14="http://schemas.microsoft.com/office/powerpoint/2010/main" id="1" dur="indefinite" restart="never" nodeType="tmRoot"/>
+        <p:cTn id="1" dur="indefinite" restart="never" nodeType="tmRoot"/>
       </p:par>
     </p:tnLst>
   </p:timing>
@@ -9043,7 +9043,7 @@
   <p:timing>
     <p:tnLst>
       <p:par>
-        <p:cTn xmlns:p14="http://schemas.microsoft.com/office/powerpoint/2010/main" id="1" dur="indefinite" restart="never" nodeType="tmRoot"/>
+        <p:cTn id="1" dur="indefinite" restart="never" nodeType="tmRoot"/>
       </p:par>
     </p:tnLst>
   </p:timing>
@@ -9231,7 +9231,7 @@
   <p:timing>
     <p:tnLst>
       <p:par>
-        <p:cTn xmlns:p14="http://schemas.microsoft.com/office/powerpoint/2010/main" id="1" dur="indefinite" restart="never" nodeType="tmRoot"/>
+        <p:cTn id="1" dur="indefinite" restart="never" nodeType="tmRoot"/>
       </p:par>
     </p:tnLst>
   </p:timing>
@@ -9608,14 +9608,14 @@
           </a:ln>
           <a:extLst>
             <a:ext uri="{909E8E84-426E-40dd-AFC4-6F175D3DCCD1}">
-              <a14:hiddenFill xmlns:a14="http://schemas.microsoft.com/office/drawing/2010/main">
+              <a14:hiddenFill xmlns:a14="http://schemas.microsoft.com/office/drawing/2010/main" xmlns="">
                 <a:solidFill>
                   <a:srgbClr val="FFFFFF"/>
                 </a:solidFill>
               </a14:hiddenFill>
             </a:ext>
             <a:ext uri="{91240B29-F687-4f45-9708-019B960494DF}">
-              <a14:hiddenLine xmlns:a14="http://schemas.microsoft.com/office/drawing/2010/main" w="9525">
+              <a14:hiddenLine xmlns:a14="http://schemas.microsoft.com/office/drawing/2010/main" xmlns="" w="9525">
                 <a:solidFill>
                   <a:srgbClr val="000000"/>
                 </a:solidFill>
@@ -9776,14 +9776,14 @@
           </a:ln>
           <a:extLst>
             <a:ext uri="{909E8E84-426E-40dd-AFC4-6F175D3DCCD1}">
-              <a14:hiddenFill xmlns:a14="http://schemas.microsoft.com/office/drawing/2010/main">
+              <a14:hiddenFill xmlns:a14="http://schemas.microsoft.com/office/drawing/2010/main" xmlns="">
                 <a:solidFill>
                   <a:srgbClr val="FFFFFF"/>
                 </a:solidFill>
               </a14:hiddenFill>
             </a:ext>
             <a:ext uri="{91240B29-F687-4f45-9708-019B960494DF}">
-              <a14:hiddenLine xmlns:a14="http://schemas.microsoft.com/office/drawing/2010/main" w="9525">
+              <a14:hiddenLine xmlns:a14="http://schemas.microsoft.com/office/drawing/2010/main" xmlns="" w="9525">
                 <a:solidFill>
                   <a:srgbClr val="000000"/>
                 </a:solidFill>
@@ -10262,11 +10262,11 @@
   <p:clrMapOvr>
     <a:masterClrMapping/>
   </p:clrMapOvr>
-  <p:transition xmlns:p14="http://schemas.microsoft.com/office/powerpoint/2010/main" spd="slow"/>
+  <p:transition spd="slow"/>
   <p:timing>
     <p:tnLst>
       <p:par>
-        <p:cTn xmlns:p14="http://schemas.microsoft.com/office/powerpoint/2010/main" id="1" dur="indefinite" restart="never" nodeType="tmRoot">
+        <p:cTn id="1" dur="indefinite" restart="never" nodeType="tmRoot">
           <p:childTnLst>
             <p:seq concurrent="1" nextAc="seek">
               <p:cTn id="2" dur="indefinite" nodeType="mainSeq">
@@ -11534,14 +11534,14 @@
           </a:ln>
           <a:extLst>
             <a:ext uri="{909E8E84-426E-40dd-AFC4-6F175D3DCCD1}">
-              <a14:hiddenFill xmlns:a14="http://schemas.microsoft.com/office/drawing/2010/main">
+              <a14:hiddenFill xmlns:a14="http://schemas.microsoft.com/office/drawing/2010/main" xmlns="">
                 <a:solidFill>
                   <a:srgbClr val="FFFFFF"/>
                 </a:solidFill>
               </a14:hiddenFill>
             </a:ext>
             <a:ext uri="{91240B29-F687-4f45-9708-019B960494DF}">
-              <a14:hiddenLine xmlns:a14="http://schemas.microsoft.com/office/drawing/2010/main" w="9525">
+              <a14:hiddenLine xmlns:a14="http://schemas.microsoft.com/office/drawing/2010/main" xmlns="" w="9525">
                 <a:solidFill>
                   <a:srgbClr val="000000"/>
                 </a:solidFill>
@@ -11702,14 +11702,14 @@
           </a:ln>
           <a:extLst>
             <a:ext uri="{909E8E84-426E-40dd-AFC4-6F175D3DCCD1}">
-              <a14:hiddenFill xmlns:a14="http://schemas.microsoft.com/office/drawing/2010/main">
+              <a14:hiddenFill xmlns:a14="http://schemas.microsoft.com/office/drawing/2010/main" xmlns="">
                 <a:solidFill>
                   <a:srgbClr val="FFFFFF"/>
                 </a:solidFill>
               </a14:hiddenFill>
             </a:ext>
             <a:ext uri="{91240B29-F687-4f45-9708-019B960494DF}">
-              <a14:hiddenLine xmlns:a14="http://schemas.microsoft.com/office/drawing/2010/main" w="9525">
+              <a14:hiddenLine xmlns:a14="http://schemas.microsoft.com/office/drawing/2010/main" xmlns="" w="9525">
                 <a:solidFill>
                   <a:srgbClr val="000000"/>
                 </a:solidFill>
@@ -12179,11 +12179,11 @@
   <p:clrMapOvr>
     <a:masterClrMapping/>
   </p:clrMapOvr>
-  <p:transition xmlns:p14="http://schemas.microsoft.com/office/powerpoint/2010/main" spd="slow"/>
+  <p:transition spd="slow"/>
   <p:timing>
     <p:tnLst>
       <p:par>
-        <p:cTn xmlns:p14="http://schemas.microsoft.com/office/powerpoint/2010/main" id="1" dur="indefinite" restart="never" nodeType="tmRoot">
+        <p:cTn id="1" dur="indefinite" restart="never" nodeType="tmRoot">
           <p:childTnLst>
             <p:seq concurrent="1" nextAc="seek">
               <p:cTn id="2" dur="indefinite" nodeType="mainSeq">
@@ -13671,7 +13671,7 @@
   <p:timing>
     <p:tnLst>
       <p:par>
-        <p:cTn xmlns:p14="http://schemas.microsoft.com/office/powerpoint/2010/main" id="1" dur="indefinite" restart="never" nodeType="tmRoot"/>
+        <p:cTn id="1" dur="indefinite" restart="never" nodeType="tmRoot"/>
       </p:par>
     </p:tnLst>
   </p:timing>
@@ -13851,7 +13851,7 @@
   <p:timing>
     <p:tnLst>
       <p:par>
-        <p:cTn xmlns:p14="http://schemas.microsoft.com/office/powerpoint/2010/main" id="1" dur="indefinite" restart="never" nodeType="tmRoot"/>
+        <p:cTn id="1" dur="indefinite" restart="never" nodeType="tmRoot"/>
       </p:par>
     </p:tnLst>
   </p:timing>
@@ -14005,7 +14005,7 @@
   <p:timing>
     <p:tnLst>
       <p:par>
-        <p:cTn xmlns:p14="http://schemas.microsoft.com/office/powerpoint/2010/main" id="1" dur="indefinite" restart="never" nodeType="tmRoot"/>
+        <p:cTn id="1" dur="indefinite" restart="never" nodeType="tmRoot"/>
       </p:par>
     </p:tnLst>
   </p:timing>
@@ -14118,7 +14118,7 @@
   <p:timing>
     <p:tnLst>
       <p:par>
-        <p:cTn xmlns:p14="http://schemas.microsoft.com/office/powerpoint/2010/main" id="1" dur="indefinite" restart="never" nodeType="tmRoot"/>
+        <p:cTn id="1" dur="indefinite" restart="never" nodeType="tmRoot"/>
       </p:par>
     </p:tnLst>
   </p:timing>
@@ -15002,7 +15002,7 @@
   <p:timing>
     <p:tnLst>
       <p:par>
-        <p:cTn xmlns:p14="http://schemas.microsoft.com/office/powerpoint/2010/main" id="1" dur="indefinite" restart="never" nodeType="tmRoot"/>
+        <p:cTn id="1" dur="indefinite" restart="never" nodeType="tmRoot"/>
       </p:par>
     </p:tnLst>
   </p:timing>
@@ -15145,7 +15145,7 @@
   <p:timing>
     <p:tnLst>
       <p:par>
-        <p:cTn xmlns:p14="http://schemas.microsoft.com/office/powerpoint/2010/main" id="1" dur="indefinite" restart="never" nodeType="tmRoot"/>
+        <p:cTn id="1" dur="indefinite" restart="never" nodeType="tmRoot"/>
       </p:par>
     </p:tnLst>
   </p:timing>
@@ -15322,14 +15322,14 @@
           </a:ln>
           <a:extLst>
             <a:ext uri="{909E8E84-426E-40dd-AFC4-6F175D3DCCD1}">
-              <a14:hiddenFill xmlns:a14="http://schemas.microsoft.com/office/drawing/2010/main">
+              <a14:hiddenFill xmlns:a14="http://schemas.microsoft.com/office/drawing/2010/main" xmlns="">
                 <a:solidFill>
                   <a:srgbClr val="FFFFFF"/>
                 </a:solidFill>
               </a14:hiddenFill>
             </a:ext>
             <a:ext uri="{91240B29-F687-4f45-9708-019B960494DF}">
-              <a14:hiddenLine xmlns:a14="http://schemas.microsoft.com/office/drawing/2010/main" w="9525">
+              <a14:hiddenLine xmlns:a14="http://schemas.microsoft.com/office/drawing/2010/main" xmlns="" w="9525">
                 <a:solidFill>
                   <a:srgbClr val="000000"/>
                 </a:solidFill>
@@ -15490,14 +15490,14 @@
           </a:ln>
           <a:extLst>
             <a:ext uri="{909E8E84-426E-40dd-AFC4-6F175D3DCCD1}">
-              <a14:hiddenFill xmlns:a14="http://schemas.microsoft.com/office/drawing/2010/main">
+              <a14:hiddenFill xmlns:a14="http://schemas.microsoft.com/office/drawing/2010/main" xmlns="">
                 <a:solidFill>
                   <a:srgbClr val="FFFFFF"/>
                 </a:solidFill>
               </a14:hiddenFill>
             </a:ext>
             <a:ext uri="{91240B29-F687-4f45-9708-019B960494DF}">
-              <a14:hiddenLine xmlns:a14="http://schemas.microsoft.com/office/drawing/2010/main" w="9525">
+              <a14:hiddenLine xmlns:a14="http://schemas.microsoft.com/office/drawing/2010/main" xmlns="" w="9525">
                 <a:solidFill>
                   <a:srgbClr val="000000"/>
                 </a:solidFill>
@@ -16041,11 +16041,11 @@
   <p:clrMapOvr>
     <a:masterClrMapping/>
   </p:clrMapOvr>
-  <p:transition xmlns:p14="http://schemas.microsoft.com/office/powerpoint/2010/main" spd="slow"/>
+  <p:transition spd="slow"/>
   <p:timing>
     <p:tnLst>
       <p:par>
-        <p:cTn xmlns:p14="http://schemas.microsoft.com/office/powerpoint/2010/main" id="1" dur="indefinite" restart="never" nodeType="tmRoot">
+        <p:cTn id="1" dur="indefinite" restart="never" nodeType="tmRoot">
           <p:childTnLst>
             <p:seq concurrent="1" nextAc="seek">
               <p:cTn id="2" dur="indefinite" nodeType="mainSeq">
@@ -17048,7 +17048,7 @@
   <p:timing>
     <p:tnLst>
       <p:par>
-        <p:cTn xmlns:p14="http://schemas.microsoft.com/office/powerpoint/2010/main" id="1" dur="indefinite" restart="never" nodeType="tmRoot"/>
+        <p:cTn id="1" dur="indefinite" restart="never" nodeType="tmRoot"/>
       </p:par>
     </p:tnLst>
   </p:timing>
@@ -17179,7 +17179,7 @@
   <p:timing>
     <p:tnLst>
       <p:par>
-        <p:cTn xmlns:p14="http://schemas.microsoft.com/office/powerpoint/2010/main" id="1" dur="indefinite" restart="never" nodeType="tmRoot"/>
+        <p:cTn id="1" dur="indefinite" restart="never" nodeType="tmRoot"/>
       </p:par>
     </p:tnLst>
   </p:timing>
@@ -17325,7 +17325,7 @@
   <p:timing>
     <p:tnLst>
       <p:par>
-        <p:cTn xmlns:p14="http://schemas.microsoft.com/office/powerpoint/2010/main" id="1" dur="indefinite" restart="never" nodeType="tmRoot"/>
+        <p:cTn id="1" dur="indefinite" restart="never" nodeType="tmRoot"/>
       </p:par>
     </p:tnLst>
   </p:timing>
@@ -17463,7 +17463,7 @@
   <p:timing>
     <p:tnLst>
       <p:par>
-        <p:cTn xmlns:p14="http://schemas.microsoft.com/office/powerpoint/2010/main" id="1" dur="indefinite" restart="never" nodeType="tmRoot"/>
+        <p:cTn id="1" dur="indefinite" restart="never" nodeType="tmRoot"/>
       </p:par>
     </p:tnLst>
   </p:timing>
@@ -17569,14 +17569,14 @@
           </a:ln>
           <a:extLst>
             <a:ext uri="{909E8E84-426E-40dd-AFC4-6F175D3DCCD1}">
-              <a14:hiddenFill xmlns:a14="http://schemas.microsoft.com/office/drawing/2010/main">
+              <a14:hiddenFill xmlns:a14="http://schemas.microsoft.com/office/drawing/2010/main" xmlns="">
                 <a:solidFill>
                   <a:srgbClr val="FFFFFF"/>
                 </a:solidFill>
               </a14:hiddenFill>
             </a:ext>
             <a:ext uri="{91240B29-F687-4f45-9708-019B960494DF}">
-              <a14:hiddenLine xmlns:a14="http://schemas.microsoft.com/office/drawing/2010/main" w="9525">
+              <a14:hiddenLine xmlns:a14="http://schemas.microsoft.com/office/drawing/2010/main" xmlns="" w="9525">
                 <a:solidFill>
                   <a:srgbClr val="000000"/>
                 </a:solidFill>
@@ -17625,7 +17625,7 @@
   <p:timing>
     <p:tnLst>
       <p:par>
-        <p:cTn xmlns:p14="http://schemas.microsoft.com/office/powerpoint/2010/main" id="1" dur="indefinite" restart="never" nodeType="tmRoot"/>
+        <p:cTn id="1" dur="indefinite" restart="never" nodeType="tmRoot"/>
       </p:par>
     </p:tnLst>
   </p:timing>
@@ -17966,7 +17966,7 @@
   <p:timing>
     <p:tnLst>
       <p:par>
-        <p:cTn xmlns:p14="http://schemas.microsoft.com/office/powerpoint/2010/main" id="1" dur="indefinite" restart="never" nodeType="tmRoot"/>
+        <p:cTn id="1" dur="indefinite" restart="never" nodeType="tmRoot"/>
       </p:par>
     </p:tnLst>
   </p:timing>
@@ -18128,7 +18128,7 @@
   <p:timing>
     <p:tnLst>
       <p:par>
-        <p:cTn xmlns:p14="http://schemas.microsoft.com/office/powerpoint/2010/main" id="1" dur="indefinite" restart="never" nodeType="tmRoot"/>
+        <p:cTn id="1" dur="indefinite" restart="never" nodeType="tmRoot"/>
       </p:par>
     </p:tnLst>
   </p:timing>
@@ -18302,7 +18302,7 @@
   <p:timing>
     <p:tnLst>
       <p:par>
-        <p:cTn xmlns:p14="http://schemas.microsoft.com/office/powerpoint/2010/main" id="1" dur="indefinite" restart="never" nodeType="tmRoot"/>
+        <p:cTn id="1" dur="indefinite" restart="never" nodeType="tmRoot"/>
       </p:par>
     </p:tnLst>
   </p:timing>
@@ -18451,7 +18451,7 @@
   <p:timing>
     <p:tnLst>
       <p:par>
-        <p:cTn xmlns:p14="http://schemas.microsoft.com/office/powerpoint/2010/main" id="1" dur="indefinite" restart="never" nodeType="tmRoot"/>
+        <p:cTn id="1" dur="indefinite" restart="never" nodeType="tmRoot"/>
       </p:par>
     </p:tnLst>
   </p:timing>
@@ -19252,7 +19252,7 @@
           </a:effectLst>
           <a:extLst>
             <a:ext uri="{909E8E84-426E-40dd-AFC4-6F175D3DCCD1}">
-              <a14:hiddenFill xmlns:a14="http://schemas.microsoft.com/office/drawing/2010/main">
+              <a14:hiddenFill xmlns:a14="http://schemas.microsoft.com/office/drawing/2010/main" xmlns="">
                 <a:noFill/>
               </a14:hiddenFill>
             </a:ext>
@@ -19297,7 +19297,7 @@
           </a:effectLst>
           <a:extLst>
             <a:ext uri="{909E8E84-426E-40dd-AFC4-6F175D3DCCD1}">
-              <a14:hiddenFill xmlns:a14="http://schemas.microsoft.com/office/drawing/2010/main">
+              <a14:hiddenFill xmlns:a14="http://schemas.microsoft.com/office/drawing/2010/main" xmlns="">
                 <a:noFill/>
               </a14:hiddenFill>
             </a:ext>
@@ -19317,7 +19317,7 @@
   <p:timing>
     <p:tnLst>
       <p:par>
-        <p:cTn xmlns:p14="http://schemas.microsoft.com/office/powerpoint/2010/main" id="1" dur="indefinite" restart="never" nodeType="tmRoot"/>
+        <p:cTn id="1" dur="indefinite" restart="never" nodeType="tmRoot"/>
       </p:par>
     </p:tnLst>
   </p:timing>
@@ -19783,14 +19783,14 @@
           </a:ln>
           <a:extLst>
             <a:ext uri="{909E8E84-426E-40dd-AFC4-6F175D3DCCD1}">
-              <a14:hiddenFill xmlns:a14="http://schemas.microsoft.com/office/drawing/2010/main">
+              <a14:hiddenFill xmlns:a14="http://schemas.microsoft.com/office/drawing/2010/main" xmlns="">
                 <a:solidFill>
                   <a:srgbClr val="FFFFFF"/>
                 </a:solidFill>
               </a14:hiddenFill>
             </a:ext>
             <a:ext uri="{91240B29-F687-4f45-9708-019B960494DF}">
-              <a14:hiddenLine xmlns:a14="http://schemas.microsoft.com/office/drawing/2010/main" w="9525">
+              <a14:hiddenLine xmlns:a14="http://schemas.microsoft.com/office/drawing/2010/main" xmlns="" w="9525">
                 <a:solidFill>
                   <a:srgbClr val="000000"/>
                 </a:solidFill>
@@ -19951,14 +19951,14 @@
           </a:ln>
           <a:extLst>
             <a:ext uri="{909E8E84-426E-40dd-AFC4-6F175D3DCCD1}">
-              <a14:hiddenFill xmlns:a14="http://schemas.microsoft.com/office/drawing/2010/main">
+              <a14:hiddenFill xmlns:a14="http://schemas.microsoft.com/office/drawing/2010/main" xmlns="">
                 <a:solidFill>
                   <a:srgbClr val="FFFFFF"/>
                 </a:solidFill>
               </a14:hiddenFill>
             </a:ext>
             <a:ext uri="{91240B29-F687-4f45-9708-019B960494DF}">
-              <a14:hiddenLine xmlns:a14="http://schemas.microsoft.com/office/drawing/2010/main" w="9525">
+              <a14:hiddenLine xmlns:a14="http://schemas.microsoft.com/office/drawing/2010/main" xmlns="" w="9525">
                 <a:solidFill>
                   <a:srgbClr val="000000"/>
                 </a:solidFill>
@@ -20296,11 +20296,11 @@
   <p:clrMapOvr>
     <a:masterClrMapping/>
   </p:clrMapOvr>
-  <p:transition xmlns:p14="http://schemas.microsoft.com/office/powerpoint/2010/main" spd="slow"/>
+  <p:transition spd="slow"/>
   <p:timing>
     <p:tnLst>
       <p:par>
-        <p:cTn xmlns:p14="http://schemas.microsoft.com/office/powerpoint/2010/main" id="1" dur="indefinite" restart="never" nodeType="tmRoot">
+        <p:cTn id="1" dur="indefinite" restart="never" nodeType="tmRoot">
           <p:childTnLst>
             <p:seq concurrent="1" nextAc="seek">
               <p:cTn id="2" dur="indefinite" nodeType="mainSeq">
@@ -21620,7 +21620,7 @@
   <p:timing>
     <p:tnLst>
       <p:par>
-        <p:cTn xmlns:p14="http://schemas.microsoft.com/office/powerpoint/2010/main" id="1" dur="indefinite" restart="never" nodeType="tmRoot"/>
+        <p:cTn id="1" dur="indefinite" restart="never" nodeType="tmRoot"/>
       </p:par>
     </p:tnLst>
   </p:timing>
@@ -21797,14 +21797,14 @@
           </a:ln>
           <a:extLst>
             <a:ext uri="{909E8E84-426E-40dd-AFC4-6F175D3DCCD1}">
-              <a14:hiddenFill xmlns:a14="http://schemas.microsoft.com/office/drawing/2010/main">
+              <a14:hiddenFill xmlns:a14="http://schemas.microsoft.com/office/drawing/2010/main" xmlns="">
                 <a:solidFill>
                   <a:srgbClr val="FFFFFF"/>
                 </a:solidFill>
               </a14:hiddenFill>
             </a:ext>
             <a:ext uri="{91240B29-F687-4f45-9708-019B960494DF}">
-              <a14:hiddenLine xmlns:a14="http://schemas.microsoft.com/office/drawing/2010/main" w="9525">
+              <a14:hiddenLine xmlns:a14="http://schemas.microsoft.com/office/drawing/2010/main" xmlns="" w="9525">
                 <a:solidFill>
                   <a:srgbClr val="000000"/>
                 </a:solidFill>
@@ -21965,14 +21965,14 @@
           </a:ln>
           <a:extLst>
             <a:ext uri="{909E8E84-426E-40dd-AFC4-6F175D3DCCD1}">
-              <a14:hiddenFill xmlns:a14="http://schemas.microsoft.com/office/drawing/2010/main">
+              <a14:hiddenFill xmlns:a14="http://schemas.microsoft.com/office/drawing/2010/main" xmlns="">
                 <a:solidFill>
                   <a:srgbClr val="FFFFFF"/>
                 </a:solidFill>
               </a14:hiddenFill>
             </a:ext>
             <a:ext uri="{91240B29-F687-4f45-9708-019B960494DF}">
-              <a14:hiddenLine xmlns:a14="http://schemas.microsoft.com/office/drawing/2010/main" w="9525">
+              <a14:hiddenLine xmlns:a14="http://schemas.microsoft.com/office/drawing/2010/main" xmlns="" w="9525">
                 <a:solidFill>
                   <a:srgbClr val="000000"/>
                 </a:solidFill>
@@ -22582,11 +22582,11 @@
   <p:clrMapOvr>
     <a:masterClrMapping/>
   </p:clrMapOvr>
-  <p:transition xmlns:p14="http://schemas.microsoft.com/office/powerpoint/2010/main" spd="slow"/>
+  <p:transition spd="slow"/>
   <p:timing>
     <p:tnLst>
       <p:par>
-        <p:cTn xmlns:p14="http://schemas.microsoft.com/office/powerpoint/2010/main" id="1" dur="indefinite" restart="never" nodeType="tmRoot">
+        <p:cTn id="1" dur="indefinite" restart="never" nodeType="tmRoot">
           <p:childTnLst>
             <p:seq concurrent="1" nextAc="seek">
               <p:cTn id="2" dur="indefinite" nodeType="mainSeq">
@@ -24054,14 +24054,14 @@
           </a:ln>
           <a:extLst>
             <a:ext uri="{909E8E84-426E-40dd-AFC4-6F175D3DCCD1}">
-              <a14:hiddenFill xmlns:a14="http://schemas.microsoft.com/office/drawing/2010/main">
+              <a14:hiddenFill xmlns:a14="http://schemas.microsoft.com/office/drawing/2010/main" xmlns="">
                 <a:solidFill>
                   <a:srgbClr val="FFFFFF"/>
                 </a:solidFill>
               </a14:hiddenFill>
             </a:ext>
             <a:ext uri="{91240B29-F687-4f45-9708-019B960494DF}">
-              <a14:hiddenLine xmlns:a14="http://schemas.microsoft.com/office/drawing/2010/main" w="9525">
+              <a14:hiddenLine xmlns:a14="http://schemas.microsoft.com/office/drawing/2010/main" xmlns="" w="9525">
                 <a:solidFill>
                   <a:srgbClr val="000000"/>
                 </a:solidFill>
@@ -24222,14 +24222,14 @@
           </a:ln>
           <a:extLst>
             <a:ext uri="{909E8E84-426E-40dd-AFC4-6F175D3DCCD1}">
-              <a14:hiddenFill xmlns:a14="http://schemas.microsoft.com/office/drawing/2010/main">
+              <a14:hiddenFill xmlns:a14="http://schemas.microsoft.com/office/drawing/2010/main" xmlns="">
                 <a:solidFill>
                   <a:srgbClr val="FFFFFF"/>
                 </a:solidFill>
               </a14:hiddenFill>
             </a:ext>
             <a:ext uri="{91240B29-F687-4f45-9708-019B960494DF}">
-              <a14:hiddenLine xmlns:a14="http://schemas.microsoft.com/office/drawing/2010/main" w="9525">
+              <a14:hiddenLine xmlns:a14="http://schemas.microsoft.com/office/drawing/2010/main" xmlns="" w="9525">
                 <a:solidFill>
                   <a:srgbClr val="000000"/>
                 </a:solidFill>
@@ -24699,11 +24699,11 @@
   <p:clrMapOvr>
     <a:masterClrMapping/>
   </p:clrMapOvr>
-  <p:transition xmlns:p14="http://schemas.microsoft.com/office/powerpoint/2010/main" spd="slow"/>
+  <p:transition spd="slow"/>
   <p:timing>
     <p:tnLst>
       <p:par>
-        <p:cTn xmlns:p14="http://schemas.microsoft.com/office/powerpoint/2010/main" id="1" dur="indefinite" restart="never" nodeType="tmRoot">
+        <p:cTn id="1" dur="indefinite" restart="never" nodeType="tmRoot">
           <p:childTnLst>
             <p:seq concurrent="1" nextAc="seek">
               <p:cTn id="2" dur="indefinite" nodeType="mainSeq">
@@ -26185,7 +26185,7 @@
   <p:timing>
     <p:tnLst>
       <p:par>
-        <p:cTn xmlns:p14="http://schemas.microsoft.com/office/powerpoint/2010/main" id="1" dur="indefinite" restart="never" nodeType="tmRoot"/>
+        <p:cTn id="1" dur="indefinite" restart="never" nodeType="tmRoot"/>
       </p:par>
     </p:tnLst>
   </p:timing>
@@ -26326,7 +26326,7 @@
   <p:timing>
     <p:tnLst>
       <p:par>
-        <p:cTn xmlns:p14="http://schemas.microsoft.com/office/powerpoint/2010/main" id="1" dur="indefinite" restart="never" nodeType="tmRoot"/>
+        <p:cTn id="1" dur="indefinite" restart="never" nodeType="tmRoot"/>
       </p:par>
     </p:tnLst>
   </p:timing>
@@ -26459,7 +26459,7 @@
   <p:timing>
     <p:tnLst>
       <p:par>
-        <p:cTn xmlns:p14="http://schemas.microsoft.com/office/powerpoint/2010/main" id="1" dur="indefinite" restart="never" nodeType="tmRoot"/>
+        <p:cTn id="1" dur="indefinite" restart="never" nodeType="tmRoot"/>
       </p:par>
     </p:tnLst>
   </p:timing>
@@ -27479,7 +27479,7 @@
   <p:timing>
     <p:tnLst>
       <p:par>
-        <p:cTn xmlns:p14="http://schemas.microsoft.com/office/powerpoint/2010/main" id="1" dur="indefinite" restart="never" nodeType="tmRoot"/>
+        <p:cTn id="1" dur="indefinite" restart="never" nodeType="tmRoot"/>
       </p:par>
     </p:tnLst>
   </p:timing>
@@ -28382,7 +28382,7 @@
   <p:timing>
     <p:tnLst>
       <p:par>
-        <p:cTn xmlns:p14="http://schemas.microsoft.com/office/powerpoint/2010/main" id="1" dur="indefinite" restart="never" nodeType="tmRoot"/>
+        <p:cTn id="1" dur="indefinite" restart="never" nodeType="tmRoot"/>
       </p:par>
     </p:tnLst>
   </p:timing>
@@ -28544,7 +28544,7 @@
   <p:timing>
     <p:tnLst>
       <p:par>
-        <p:cTn xmlns:p14="http://schemas.microsoft.com/office/powerpoint/2010/main" id="1" dur="indefinite" restart="never" nodeType="tmRoot"/>
+        <p:cTn id="1" dur="indefinite" restart="never" nodeType="tmRoot"/>
       </p:par>
     </p:tnLst>
   </p:timing>
@@ -28657,7 +28657,7 @@
   <p:timing>
     <p:tnLst>
       <p:par>
-        <p:cTn xmlns:p14="http://schemas.microsoft.com/office/powerpoint/2010/main" id="1" dur="indefinite" restart="never" nodeType="tmRoot"/>
+        <p:cTn id="1" dur="indefinite" restart="never" nodeType="tmRoot"/>
       </p:par>
     </p:tnLst>
   </p:timing>
@@ -28717,7 +28717,7 @@
         <p:spPr/>
         <p:txBody>
           <a:bodyPr>
-            <a:normAutofit fontScale="85000" lnSpcReduction="20000"/>
+            <a:normAutofit fontScale="70000" lnSpcReduction="20000"/>
           </a:bodyPr>
           <a:lstStyle/>
           <a:p>
@@ -28781,6 +28781,14 @@
           <a:p>
             <a:pPr lvl="1"/>
             <a:r>
+              <a:rPr lang="en-US" dirty="0" err="1" smtClean="0"/>
+              <a:t>hadoop-env.sh</a:t>
+            </a:r>
+            <a:endParaRPr lang="en-US" dirty="0" smtClean="0"/>
+          </a:p>
+          <a:p>
+            <a:pPr lvl="1"/>
+            <a:r>
               <a:rPr lang="en-US" dirty="0" smtClean="0"/>
               <a:t>core-</a:t>
             </a:r>
@@ -28795,6 +28803,14 @@
             <a:r>
               <a:rPr lang="en-US" dirty="0" err="1" smtClean="0"/>
               <a:t>hdfs-site.xml</a:t>
+            </a:r>
+            <a:endParaRPr lang="en-US" dirty="0" smtClean="0"/>
+          </a:p>
+          <a:p>
+            <a:pPr lvl="1"/>
+            <a:r>
+              <a:rPr lang="en-US" dirty="0" smtClean="0"/>
+              <a:t>log4j.properties</a:t>
             </a:r>
             <a:endParaRPr lang="en-US" dirty="0" smtClean="0"/>
           </a:p>
@@ -28872,7 +28888,7 @@
   <p:timing>
     <p:tnLst>
       <p:par>
-        <p:cTn xmlns:p14="http://schemas.microsoft.com/office/powerpoint/2010/main" id="1" dur="indefinite" restart="never" nodeType="tmRoot"/>
+        <p:cTn id="1" dur="indefinite" restart="never" nodeType="tmRoot"/>
       </p:par>
     </p:tnLst>
   </p:timing>
@@ -28997,7 +29013,7 @@
   <p:timing>
     <p:tnLst>
       <p:par>
-        <p:cTn xmlns:p14="http://schemas.microsoft.com/office/powerpoint/2010/main" id="1" dur="indefinite" restart="never" nodeType="tmRoot"/>
+        <p:cTn id="1" dur="indefinite" restart="never" nodeType="tmRoot"/>
       </p:par>
     </p:tnLst>
   </p:timing>
@@ -29138,7 +29154,7 @@
   <p:timing>
     <p:tnLst>
       <p:par>
-        <p:cTn xmlns:p14="http://schemas.microsoft.com/office/powerpoint/2010/main" id="1" dur="indefinite" restart="never" nodeType="tmRoot"/>
+        <p:cTn id="1" dur="indefinite" restart="never" nodeType="tmRoot"/>
       </p:par>
     </p:tnLst>
   </p:timing>
@@ -29244,14 +29260,14 @@
           </a:ln>
           <a:extLst>
             <a:ext uri="{909E8E84-426E-40dd-AFC4-6F175D3DCCD1}">
-              <a14:hiddenFill xmlns:a14="http://schemas.microsoft.com/office/drawing/2010/main">
+              <a14:hiddenFill xmlns:a14="http://schemas.microsoft.com/office/drawing/2010/main" xmlns="">
                 <a:solidFill>
                   <a:srgbClr val="FFFFFF"/>
                 </a:solidFill>
               </a14:hiddenFill>
             </a:ext>
             <a:ext uri="{91240B29-F687-4f45-9708-019B960494DF}">
-              <a14:hiddenLine xmlns:a14="http://schemas.microsoft.com/office/drawing/2010/main" w="9525">
+              <a14:hiddenLine xmlns:a14="http://schemas.microsoft.com/office/drawing/2010/main" xmlns="" w="9525">
                 <a:solidFill>
                   <a:srgbClr val="000000"/>
                 </a:solidFill>
@@ -29276,7 +29292,7 @@
   <p:timing>
     <p:tnLst>
       <p:par>
-        <p:cTn xmlns:p14="http://schemas.microsoft.com/office/powerpoint/2010/main" id="1" dur="indefinite" restart="never" nodeType="tmRoot"/>
+        <p:cTn id="1" dur="indefinite" restart="never" nodeType="tmRoot"/>
       </p:par>
     </p:tnLst>
   </p:timing>
@@ -29374,14 +29390,14 @@
           </a:ln>
           <a:extLst>
             <a:ext uri="{909E8E84-426E-40dd-AFC4-6F175D3DCCD1}">
-              <a14:hiddenFill xmlns:a14="http://schemas.microsoft.com/office/drawing/2010/main">
+              <a14:hiddenFill xmlns:a14="http://schemas.microsoft.com/office/drawing/2010/main" xmlns="">
                 <a:solidFill>
                   <a:srgbClr val="FFFFFF"/>
                 </a:solidFill>
               </a14:hiddenFill>
             </a:ext>
             <a:ext uri="{91240B29-F687-4f45-9708-019B960494DF}">
-              <a14:hiddenLine xmlns:a14="http://schemas.microsoft.com/office/drawing/2010/main" w="9525">
+              <a14:hiddenLine xmlns:a14="http://schemas.microsoft.com/office/drawing/2010/main" xmlns="" w="9525">
                 <a:solidFill>
                   <a:srgbClr val="000000"/>
                 </a:solidFill>
@@ -29406,7 +29422,7 @@
   <p:timing>
     <p:tnLst>
       <p:par>
-        <p:cTn xmlns:p14="http://schemas.microsoft.com/office/powerpoint/2010/main" id="1" dur="indefinite" restart="never" nodeType="tmRoot"/>
+        <p:cTn id="1" dur="indefinite" restart="never" nodeType="tmRoot"/>
       </p:par>
     </p:tnLst>
   </p:timing>
@@ -29634,7 +29650,7 @@
   <p:timing>
     <p:tnLst>
       <p:par>
-        <p:cTn xmlns:p14="http://schemas.microsoft.com/office/powerpoint/2010/main" id="1" dur="indefinite" restart="never" nodeType="tmRoot"/>
+        <p:cTn id="1" dur="indefinite" restart="never" nodeType="tmRoot"/>
       </p:par>
     </p:tnLst>
   </p:timing>
@@ -30495,7 +30511,7 @@
           </a:effectLst>
           <a:extLst>
             <a:ext uri="{909E8E84-426E-40dd-AFC4-6F175D3DCCD1}">
-              <a14:hiddenFill xmlns:a14="http://schemas.microsoft.com/office/drawing/2010/main">
+              <a14:hiddenFill xmlns:a14="http://schemas.microsoft.com/office/drawing/2010/main" xmlns="">
                 <a:noFill/>
               </a14:hiddenFill>
             </a:ext>
@@ -30540,7 +30556,7 @@
           </a:effectLst>
           <a:extLst>
             <a:ext uri="{909E8E84-426E-40dd-AFC4-6F175D3DCCD1}">
-              <a14:hiddenFill xmlns:a14="http://schemas.microsoft.com/office/drawing/2010/main">
+              <a14:hiddenFill xmlns:a14="http://schemas.microsoft.com/office/drawing/2010/main" xmlns="">
                 <a:noFill/>
               </a14:hiddenFill>
             </a:ext>
@@ -30560,7 +30576,7 @@
   <p:timing>
     <p:tnLst>
       <p:par>
-        <p:cTn xmlns:p14="http://schemas.microsoft.com/office/powerpoint/2010/main" id="1" dur="indefinite" restart="never" nodeType="tmRoot"/>
+        <p:cTn id="1" dur="indefinite" restart="never" nodeType="tmRoot"/>
       </p:par>
     </p:tnLst>
   </p:timing>
@@ -31310,7 +31326,7 @@
   <p:timing>
     <p:tnLst>
       <p:par>
-        <p:cTn xmlns:p14="http://schemas.microsoft.com/office/powerpoint/2010/main" id="1" dur="indefinite" restart="never" nodeType="tmRoot"/>
+        <p:cTn id="1" dur="indefinite" restart="never" nodeType="tmRoot"/>
       </p:par>
     </p:tnLst>
   </p:timing>
@@ -31430,7 +31446,7 @@
   <p:timing>
     <p:tnLst>
       <p:par>
-        <p:cTn xmlns:p14="http://schemas.microsoft.com/office/powerpoint/2010/main" id="1" dur="indefinite" restart="never" nodeType="tmRoot"/>
+        <p:cTn id="1" dur="indefinite" restart="never" nodeType="tmRoot"/>
       </p:par>
     </p:tnLst>
   </p:timing>
@@ -32886,7 +32902,7 @@
   <p:timing>
     <p:tnLst>
       <p:par>
-        <p:cTn xmlns:p14="http://schemas.microsoft.com/office/powerpoint/2010/main" id="1" dur="indefinite" restart="never" nodeType="tmRoot"/>
+        <p:cTn id="1" dur="indefinite" restart="never" nodeType="tmRoot"/>
       </p:par>
     </p:tnLst>
   </p:timing>
@@ -33106,7 +33122,7 @@
   <p:timing>
     <p:tnLst>
       <p:par>
-        <p:cTn xmlns:p14="http://schemas.microsoft.com/office/powerpoint/2010/main" id="1" dur="indefinite" restart="never" nodeType="tmRoot"/>
+        <p:cTn id="1" dur="indefinite" restart="never" nodeType="tmRoot"/>
       </p:par>
     </p:tnLst>
   </p:timing>
@@ -33191,9 +33207,14 @@
               <a:t>ipaddress</a:t>
             </a:r>
             <a:r>
-              <a:rPr lang="en-US" dirty="0" smtClean="0"/>
-              <a:t>&gt;:8080</a:t>
-            </a:r>
+              <a:rPr lang="en-US" smtClean="0"/>
+              <a:t>&gt;:</a:t>
+            </a:r>
+            <a:r>
+              <a:rPr lang="en-US" smtClean="0"/>
+              <a:t>8080)</a:t>
+            </a:r>
+            <a:endParaRPr lang="en-US" dirty="0" smtClean="0"/>
           </a:p>
           <a:p>
             <a:r>
@@ -33295,7 +33316,7 @@
   <p:timing>
     <p:tnLst>
       <p:par>
-        <p:cTn xmlns:p14="http://schemas.microsoft.com/office/powerpoint/2010/main" id="1" dur="indefinite" restart="never" nodeType="tmRoot"/>
+        <p:cTn id="1" dur="indefinite" restart="never" nodeType="tmRoot"/>
       </p:par>
     </p:tnLst>
   </p:timing>
@@ -33414,7 +33435,7 @@
   <p:timing>
     <p:tnLst>
       <p:par>
-        <p:cTn xmlns:p14="http://schemas.microsoft.com/office/powerpoint/2010/main" id="1" dur="indefinite" restart="never" nodeType="tmRoot"/>
+        <p:cTn id="1" dur="indefinite" restart="never" nodeType="tmRoot"/>
       </p:par>
     </p:tnLst>
   </p:timing>
@@ -33544,7 +33565,7 @@
   <p:timing>
     <p:tnLst>
       <p:par>
-        <p:cTn xmlns:p14="http://schemas.microsoft.com/office/powerpoint/2010/main" id="1" dur="indefinite" restart="never" nodeType="tmRoot"/>
+        <p:cTn id="1" dur="indefinite" restart="never" nodeType="tmRoot"/>
       </p:par>
     </p:tnLst>
   </p:timing>
@@ -33671,7 +33692,7 @@
   <p:timing>
     <p:tnLst>
       <p:par>
-        <p:cTn xmlns:p14="http://schemas.microsoft.com/office/powerpoint/2010/main" id="1" dur="indefinite" restart="never" nodeType="tmRoot"/>
+        <p:cTn id="1" dur="indefinite" restart="never" nodeType="tmRoot"/>
       </p:par>
     </p:tnLst>
   </p:timing>
@@ -33816,7 +33837,7 @@
   <p:timing>
     <p:tnLst>
       <p:par>
-        <p:cTn xmlns:p14="http://schemas.microsoft.com/office/powerpoint/2010/main" id="1" dur="indefinite" restart="never" nodeType="tmRoot"/>
+        <p:cTn id="1" dur="indefinite" restart="never" nodeType="tmRoot"/>
       </p:par>
     </p:tnLst>
   </p:timing>
@@ -33939,7 +33960,7 @@
   <p:timing>
     <p:tnLst>
       <p:par>
-        <p:cTn xmlns:p14="http://schemas.microsoft.com/office/powerpoint/2010/main" id="1" dur="indefinite" restart="never" nodeType="tmRoot"/>
+        <p:cTn id="1" dur="indefinite" restart="never" nodeType="tmRoot"/>
       </p:par>
     </p:tnLst>
   </p:timing>
@@ -34095,7 +34116,7 @@
   <p:timing>
     <p:tnLst>
       <p:par>
-        <p:cTn xmlns:p14="http://schemas.microsoft.com/office/powerpoint/2010/main" id="1" dur="indefinite" restart="never" nodeType="tmRoot"/>
+        <p:cTn id="1" dur="indefinite" restart="never" nodeType="tmRoot"/>
       </p:par>
     </p:tnLst>
   </p:timing>
@@ -34302,7 +34323,7 @@
   <p:timing>
     <p:tnLst>
       <p:par>
-        <p:cTn xmlns:p14="http://schemas.microsoft.com/office/powerpoint/2010/main" id="1" dur="indefinite" restart="never" nodeType="tmRoot"/>
+        <p:cTn id="1" dur="indefinite" restart="never" nodeType="tmRoot"/>
       </p:par>
     </p:tnLst>
   </p:timing>
